--- a/Digitization of Tamil Text.pptx
+++ b/Digitization of Tamil Text.pptx
@@ -7,8 +7,12 @@
   <p:sldIdLst>
     <p:sldId id="256" r:id="rId2"/>
     <p:sldId id="257" r:id="rId3"/>
-    <p:sldId id="258" r:id="rId4"/>
+    <p:sldId id="262" r:id="rId4"/>
     <p:sldId id="259" r:id="rId5"/>
+    <p:sldId id="258" r:id="rId6"/>
+    <p:sldId id="263" r:id="rId7"/>
+    <p:sldId id="264" r:id="rId8"/>
+    <p:sldId id="265" r:id="rId9"/>
   </p:sldIdLst>
   <p:sldSz cx="12192000" cy="6858000"/>
   <p:notesSz cx="6858000" cy="9144000"/>
@@ -107,6 +111,11 @@
       </a:defRPr>
     </a:lvl9pPr>
   </p:defaultTextStyle>
+  <p:extLst>
+    <p:ext uri="{EFAFB233-063F-42B5-8137-9DF3F51BA10A}">
+      <p15:sldGuideLst xmlns:p15="http://schemas.microsoft.com/office/powerpoint/2012/main"/>
+    </p:ext>
+  </p:extLst>
 </p:presentation>
 </file>
 
@@ -3540,7 +3549,7 @@
           <p:cNvPr id="2" name="Title 1">
             <a:extLst>
               <a:ext uri="{FF2B5EF4-FFF2-40B4-BE49-F238E27FC236}">
-                <a16:creationId xmlns:a16="http://schemas.microsoft.com/office/drawing/2014/main" id="{FA2436AA-FDDC-486E-A895-A0BEF742C0F9}"/>
+                <a16:creationId xmlns:a16="http://schemas.microsoft.com/office/drawing/2014/main" id="{C8837609-6F27-4B86-8363-43EDBA2B487D}"/>
               </a:ext>
             </a:extLst>
           </p:cNvPr>
@@ -3558,50 +3567,67 @@
           <a:p>
             <a:r>
               <a:rPr lang="en-US" dirty="0"/>
-              <a:t>Our approach</a:t>
-            </a:r>
-          </a:p>
-        </p:txBody>
-      </p:sp>
-      <p:sp>
-        <p:nvSpPr>
-          <p:cNvPr id="3" name="TextBox 2">
-            <a:extLst>
-              <a:ext uri="{FF2B5EF4-FFF2-40B4-BE49-F238E27FC236}">
-                <a16:creationId xmlns:a16="http://schemas.microsoft.com/office/drawing/2014/main" id="{CB8B2E08-AE64-4717-ADFD-F0D26F8EC6EC}"/>
-              </a:ext>
-            </a:extLst>
-          </p:cNvPr>
-          <p:cNvSpPr txBox="1"/>
-          <p:nvPr/>
-        </p:nvSpPr>
-        <p:spPr>
-          <a:xfrm>
-            <a:off x="900344" y="1321356"/>
-            <a:ext cx="1058495" cy="369332"/>
-          </a:xfrm>
-          <a:prstGeom prst="rect">
-            <a:avLst/>
-          </a:prstGeom>
-          <a:noFill/>
-        </p:spPr>
-        <p:txBody>
-          <a:bodyPr wrap="none" rtlCol="0">
-            <a:spAutoFit/>
-          </a:bodyPr>
+              <a:t>Data collection </a:t>
+            </a:r>
+          </a:p>
+        </p:txBody>
+      </p:sp>
+      <p:sp>
+        <p:nvSpPr>
+          <p:cNvPr id="3" name="Content Placeholder 2">
+            <a:extLst>
+              <a:ext uri="{FF2B5EF4-FFF2-40B4-BE49-F238E27FC236}">
+                <a16:creationId xmlns:a16="http://schemas.microsoft.com/office/drawing/2014/main" id="{A3DE67ED-A182-4EAC-A797-54E7FE382D57}"/>
+              </a:ext>
+            </a:extLst>
+          </p:cNvPr>
+          <p:cNvSpPr>
+            <a:spLocks noGrp="1"/>
+          </p:cNvSpPr>
+          <p:nvPr>
+            <p:ph idx="1"/>
+          </p:nvPr>
+        </p:nvSpPr>
+        <p:spPr/>
+        <p:txBody>
+          <a:bodyPr/>
           <a:lstStyle/>
           <a:p>
             <a:r>
               <a:rPr lang="en-US" dirty="0"/>
-              <a:t>Structure</a:t>
-            </a:r>
+              <a:t>50683 images with 155 classes</a:t>
+            </a:r>
+          </a:p>
+          <a:p>
+            <a:r>
+              <a:rPr lang="en-US" dirty="0"/>
+              <a:t>Varied in sizes</a:t>
+            </a:r>
+          </a:p>
+          <a:p>
+            <a:r>
+              <a:rPr lang="en-US" dirty="0"/>
+              <a:t>Dimensions reduced uniformly to 32x32x1</a:t>
+            </a:r>
+          </a:p>
+          <a:p>
+            <a:pPr marL="0" indent="0">
+              <a:buNone/>
+            </a:pPr>
+            <a:r>
+              <a:rPr lang="en-US" dirty="0"/>
+              <a:t> </a:t>
+            </a:r>
+          </a:p>
+          <a:p>
+            <a:endParaRPr lang="en-US" dirty="0"/>
           </a:p>
         </p:txBody>
       </p:sp>
     </p:spTree>
     <p:extLst>
       <p:ext uri="{BB962C8B-B14F-4D97-AF65-F5344CB8AC3E}">
-        <p14:creationId xmlns:p14="http://schemas.microsoft.com/office/powerpoint/2010/main" val="492195820"/>
+        <p14:creationId xmlns:p14="http://schemas.microsoft.com/office/powerpoint/2010/main" val="3131516478"/>
       </p:ext>
     </p:extLst>
   </p:cSld>
@@ -3651,7 +3677,7 @@
           <a:p>
             <a:r>
               <a:rPr lang="en-US" dirty="0"/>
-              <a:t>Hyper parameter combinations</a:t>
+              <a:t>Parameter combinations</a:t>
             </a:r>
           </a:p>
         </p:txBody>
@@ -3671,7 +3697,7 @@
         <p:spPr>
           <a:xfrm>
             <a:off x="838200" y="1690688"/>
-            <a:ext cx="1819216" cy="923330"/>
+            <a:ext cx="3564437" cy="3139321"/>
           </a:xfrm>
           <a:prstGeom prst="rect">
             <a:avLst/>
@@ -3694,6 +3720,36 @@
             </a:r>
           </a:p>
           <a:p>
+            <a:pPr marL="742950" lvl="1" indent="-285750">
+              <a:buFont typeface="Arial" panose="020B0604020202020204" pitchFamily="34" charset="0"/>
+              <a:buChar char="•"/>
+            </a:pPr>
+            <a:r>
+              <a:rPr lang="en-US" dirty="0"/>
+              <a:t>0.001</a:t>
+            </a:r>
+          </a:p>
+          <a:p>
+            <a:pPr marL="742950" lvl="1" indent="-285750">
+              <a:buFont typeface="Arial" panose="020B0604020202020204" pitchFamily="34" charset="0"/>
+              <a:buChar char="•"/>
+            </a:pPr>
+            <a:r>
+              <a:rPr lang="en-US" dirty="0"/>
+              <a:t>0.01 (default)</a:t>
+            </a:r>
+          </a:p>
+          <a:p>
+            <a:pPr marL="742950" lvl="1" indent="-285750">
+              <a:buFont typeface="Arial" panose="020B0604020202020204" pitchFamily="34" charset="0"/>
+              <a:buChar char="•"/>
+            </a:pPr>
+            <a:r>
+              <a:rPr lang="en-US" dirty="0"/>
+              <a:t>0.1</a:t>
+            </a:r>
+          </a:p>
+          <a:p>
             <a:pPr marL="285750" indent="-285750">
               <a:buFont typeface="Arial" panose="020B0604020202020204" pitchFamily="34" charset="0"/>
               <a:buChar char="•"/>
@@ -3704,6 +3760,36 @@
             </a:r>
           </a:p>
           <a:p>
+            <a:pPr marL="742950" lvl="1" indent="-285750">
+              <a:buFont typeface="Arial" panose="020B0604020202020204" pitchFamily="34" charset="0"/>
+              <a:buChar char="•"/>
+            </a:pPr>
+            <a:r>
+              <a:rPr lang="en-US" dirty="0"/>
+              <a:t>32</a:t>
+            </a:r>
+          </a:p>
+          <a:p>
+            <a:pPr marL="742950" lvl="1" indent="-285750">
+              <a:buFont typeface="Arial" panose="020B0604020202020204" pitchFamily="34" charset="0"/>
+              <a:buChar char="•"/>
+            </a:pPr>
+            <a:r>
+              <a:rPr lang="en-US" dirty="0"/>
+              <a:t>64</a:t>
+            </a:r>
+          </a:p>
+          <a:p>
+            <a:pPr marL="742950" lvl="1" indent="-285750">
+              <a:buFont typeface="Arial" panose="020B0604020202020204" pitchFamily="34" charset="0"/>
+              <a:buChar char="•"/>
+            </a:pPr>
+            <a:r>
+              <a:rPr lang="en-US" dirty="0"/>
+              <a:t>128 (default)</a:t>
+            </a:r>
+          </a:p>
+          <a:p>
             <a:pPr marL="285750" indent="-285750">
               <a:buFont typeface="Arial" panose="020B0604020202020204" pitchFamily="34" charset="0"/>
               <a:buChar char="•"/>
@@ -3713,12 +3799,922 @@
               <a:t>Optimizer</a:t>
             </a:r>
           </a:p>
+          <a:p>
+            <a:pPr marL="742950" lvl="1" indent="-285750">
+              <a:buFont typeface="Arial" panose="020B0604020202020204" pitchFamily="34" charset="0"/>
+              <a:buChar char="•"/>
+            </a:pPr>
+            <a:r>
+              <a:rPr lang="en-US" dirty="0"/>
+              <a:t>Adam</a:t>
+            </a:r>
+          </a:p>
+          <a:p>
+            <a:pPr marL="742950" lvl="1" indent="-285750">
+              <a:buFont typeface="Arial" panose="020B0604020202020204" pitchFamily="34" charset="0"/>
+              <a:buChar char="•"/>
+            </a:pPr>
+            <a:r>
+              <a:rPr lang="en-US" dirty="0"/>
+              <a:t>Stochastic Gradient Descent</a:t>
+            </a:r>
+          </a:p>
         </p:txBody>
       </p:sp>
     </p:spTree>
     <p:extLst>
       <p:ext uri="{BB962C8B-B14F-4D97-AF65-F5344CB8AC3E}">
         <p14:creationId xmlns:p14="http://schemas.microsoft.com/office/powerpoint/2010/main" val="4169212317"/>
+      </p:ext>
+    </p:extLst>
+  </p:cSld>
+  <p:clrMapOvr>
+    <a:masterClrMapping/>
+  </p:clrMapOvr>
+</p:sld>
+</file>
+
+<file path=ppt/slides/slide5.xml><?xml version="1.0" encoding="utf-8"?>
+<p:sld xmlns:a="http://schemas.openxmlformats.org/drawingml/2006/main" xmlns:r="http://schemas.openxmlformats.org/officeDocument/2006/relationships" xmlns:p="http://schemas.openxmlformats.org/presentationml/2006/main">
+  <p:cSld>
+    <p:spTree>
+      <p:nvGrpSpPr>
+        <p:cNvPr id="1" name=""/>
+        <p:cNvGrpSpPr/>
+        <p:nvPr/>
+      </p:nvGrpSpPr>
+      <p:grpSpPr>
+        <a:xfrm>
+          <a:off x="0" y="0"/>
+          <a:ext cx="0" cy="0"/>
+          <a:chOff x="0" y="0"/>
+          <a:chExt cx="0" cy="0"/>
+        </a:xfrm>
+      </p:grpSpPr>
+      <p:sp>
+        <p:nvSpPr>
+          <p:cNvPr id="2" name="Title 1">
+            <a:extLst>
+              <a:ext uri="{FF2B5EF4-FFF2-40B4-BE49-F238E27FC236}">
+                <a16:creationId xmlns:a16="http://schemas.microsoft.com/office/drawing/2014/main" id="{FA2436AA-FDDC-486E-A895-A0BEF742C0F9}"/>
+              </a:ext>
+            </a:extLst>
+          </p:cNvPr>
+          <p:cNvSpPr>
+            <a:spLocks noGrp="1"/>
+          </p:cNvSpPr>
+          <p:nvPr>
+            <p:ph type="title"/>
+          </p:nvPr>
+        </p:nvSpPr>
+        <p:spPr/>
+        <p:txBody>
+          <a:bodyPr/>
+          <a:lstStyle/>
+          <a:p>
+            <a:r>
+              <a:rPr lang="en-US" dirty="0"/>
+              <a:t>Our approach</a:t>
+            </a:r>
+          </a:p>
+        </p:txBody>
+      </p:sp>
+      <p:sp>
+        <p:nvSpPr>
+          <p:cNvPr id="3" name="TextBox 2">
+            <a:extLst>
+              <a:ext uri="{FF2B5EF4-FFF2-40B4-BE49-F238E27FC236}">
+                <a16:creationId xmlns:a16="http://schemas.microsoft.com/office/drawing/2014/main" id="{CB8B2E08-AE64-4717-ADFD-F0D26F8EC6EC}"/>
+              </a:ext>
+            </a:extLst>
+          </p:cNvPr>
+          <p:cNvSpPr txBox="1"/>
+          <p:nvPr/>
+        </p:nvSpPr>
+        <p:spPr>
+          <a:xfrm>
+            <a:off x="900344" y="1321356"/>
+            <a:ext cx="1058495" cy="369332"/>
+          </a:xfrm>
+          <a:prstGeom prst="rect">
+            <a:avLst/>
+          </a:prstGeom>
+          <a:noFill/>
+        </p:spPr>
+        <p:txBody>
+          <a:bodyPr wrap="none" rtlCol="0">
+            <a:spAutoFit/>
+          </a:bodyPr>
+          <a:lstStyle/>
+          <a:p>
+            <a:r>
+              <a:rPr lang="en-US" dirty="0"/>
+              <a:t>Structure</a:t>
+            </a:r>
+          </a:p>
+        </p:txBody>
+      </p:sp>
+      <p:pic>
+        <p:nvPicPr>
+          <p:cNvPr id="5" name="Picture 4" descr="A picture containing indoor&#10;&#10;Description automatically generated">
+            <a:extLst>
+              <a:ext uri="{FF2B5EF4-FFF2-40B4-BE49-F238E27FC236}">
+                <a16:creationId xmlns:a16="http://schemas.microsoft.com/office/drawing/2014/main" id="{CD900340-EED2-4443-A7DE-2F623912E19C}"/>
+              </a:ext>
+            </a:extLst>
+          </p:cNvPr>
+          <p:cNvPicPr>
+            <a:picLocks noChangeAspect="1"/>
+          </p:cNvPicPr>
+          <p:nvPr/>
+        </p:nvPicPr>
+        <p:blipFill>
+          <a:blip r:embed="rId2">
+            <a:extLst>
+              <a:ext uri="{28A0092B-C50C-407E-A947-70E740481C1C}">
+                <a14:useLocalDpi xmlns:a14="http://schemas.microsoft.com/office/drawing/2010/main" val="0"/>
+              </a:ext>
+            </a:extLst>
+          </a:blip>
+          <a:stretch>
+            <a:fillRect/>
+          </a:stretch>
+        </p:blipFill>
+        <p:spPr>
+          <a:xfrm>
+            <a:off x="1958839" y="1954771"/>
+            <a:ext cx="3787222" cy="4528112"/>
+          </a:xfrm>
+          <a:prstGeom prst="rect">
+            <a:avLst/>
+          </a:prstGeom>
+        </p:spPr>
+      </p:pic>
+      <p:pic>
+        <p:nvPicPr>
+          <p:cNvPr id="7" name="Picture 6" descr="A picture containing indoor&#10;&#10;Description automatically generated">
+            <a:extLst>
+              <a:ext uri="{FF2B5EF4-FFF2-40B4-BE49-F238E27FC236}">
+                <a16:creationId xmlns:a16="http://schemas.microsoft.com/office/drawing/2014/main" id="{2AAB733D-D9FD-4FF7-8B88-3DC54647E770}"/>
+              </a:ext>
+            </a:extLst>
+          </p:cNvPr>
+          <p:cNvPicPr>
+            <a:picLocks noChangeAspect="1"/>
+          </p:cNvPicPr>
+          <p:nvPr/>
+        </p:nvPicPr>
+        <p:blipFill>
+          <a:blip r:embed="rId3">
+            <a:extLst>
+              <a:ext uri="{28A0092B-C50C-407E-A947-70E740481C1C}">
+                <a14:useLocalDpi xmlns:a14="http://schemas.microsoft.com/office/drawing/2010/main" val="0"/>
+              </a:ext>
+            </a:extLst>
+          </a:blip>
+          <a:stretch>
+            <a:fillRect/>
+          </a:stretch>
+        </p:blipFill>
+        <p:spPr>
+          <a:xfrm>
+            <a:off x="7151802" y="1964763"/>
+            <a:ext cx="2718062" cy="2286160"/>
+          </a:xfrm>
+          <a:prstGeom prst="rect">
+            <a:avLst/>
+          </a:prstGeom>
+        </p:spPr>
+      </p:pic>
+    </p:spTree>
+    <p:extLst>
+      <p:ext uri="{BB962C8B-B14F-4D97-AF65-F5344CB8AC3E}">
+        <p14:creationId xmlns:p14="http://schemas.microsoft.com/office/powerpoint/2010/main" val="492195820"/>
+      </p:ext>
+    </p:extLst>
+  </p:cSld>
+  <p:clrMapOvr>
+    <a:masterClrMapping/>
+  </p:clrMapOvr>
+</p:sld>
+</file>
+
+<file path=ppt/slides/slide6.xml><?xml version="1.0" encoding="utf-8"?>
+<p:sld xmlns:a="http://schemas.openxmlformats.org/drawingml/2006/main" xmlns:r="http://schemas.openxmlformats.org/officeDocument/2006/relationships" xmlns:p="http://schemas.openxmlformats.org/presentationml/2006/main">
+  <p:cSld>
+    <p:spTree>
+      <p:nvGrpSpPr>
+        <p:cNvPr id="1" name=""/>
+        <p:cNvGrpSpPr/>
+        <p:nvPr/>
+      </p:nvGrpSpPr>
+      <p:grpSpPr>
+        <a:xfrm>
+          <a:off x="0" y="0"/>
+          <a:ext cx="0" cy="0"/>
+          <a:chOff x="0" y="0"/>
+          <a:chExt cx="0" cy="0"/>
+        </a:xfrm>
+      </p:grpSpPr>
+      <p:sp>
+        <p:nvSpPr>
+          <p:cNvPr id="2" name="Title 1">
+            <a:extLst>
+              <a:ext uri="{FF2B5EF4-FFF2-40B4-BE49-F238E27FC236}">
+                <a16:creationId xmlns:a16="http://schemas.microsoft.com/office/drawing/2014/main" id="{EDFCD8CC-3E77-4F12-B1CA-6A1E5235EDF8}"/>
+              </a:ext>
+            </a:extLst>
+          </p:cNvPr>
+          <p:cNvSpPr>
+            <a:spLocks noGrp="1"/>
+          </p:cNvSpPr>
+          <p:nvPr>
+            <p:ph type="title"/>
+          </p:nvPr>
+        </p:nvSpPr>
+        <p:spPr/>
+        <p:txBody>
+          <a:bodyPr/>
+          <a:lstStyle/>
+          <a:p>
+            <a:r>
+              <a:rPr lang="en-US" dirty="0"/>
+              <a:t>Flow chart	</a:t>
+            </a:r>
+          </a:p>
+        </p:txBody>
+      </p:sp>
+      <p:sp>
+        <p:nvSpPr>
+          <p:cNvPr id="3" name="Content Placeholder 2">
+            <a:extLst>
+              <a:ext uri="{FF2B5EF4-FFF2-40B4-BE49-F238E27FC236}">
+                <a16:creationId xmlns:a16="http://schemas.microsoft.com/office/drawing/2014/main" id="{89B9B53D-E116-4AEE-9CD6-2242C14CB7F6}"/>
+              </a:ext>
+            </a:extLst>
+          </p:cNvPr>
+          <p:cNvSpPr>
+            <a:spLocks noGrp="1"/>
+          </p:cNvSpPr>
+          <p:nvPr>
+            <p:ph idx="1"/>
+          </p:nvPr>
+        </p:nvSpPr>
+        <p:spPr/>
+        <p:txBody>
+          <a:bodyPr/>
+          <a:lstStyle/>
+          <a:p>
+            <a:pPr marL="0" indent="0">
+              <a:buNone/>
+            </a:pPr>
+            <a:endParaRPr lang="en-US" dirty="0"/>
+          </a:p>
+        </p:txBody>
+      </p:sp>
+      <p:sp>
+        <p:nvSpPr>
+          <p:cNvPr id="4" name="Rectangle 3">
+            <a:extLst>
+              <a:ext uri="{FF2B5EF4-FFF2-40B4-BE49-F238E27FC236}">
+                <a16:creationId xmlns:a16="http://schemas.microsoft.com/office/drawing/2014/main" id="{15FE1A81-5193-49B9-A579-07E3BA2CB083}"/>
+              </a:ext>
+            </a:extLst>
+          </p:cNvPr>
+          <p:cNvSpPr/>
+          <p:nvPr/>
+        </p:nvSpPr>
+        <p:spPr>
+          <a:xfrm>
+            <a:off x="1296140" y="2268244"/>
+            <a:ext cx="2290439" cy="967666"/>
+          </a:xfrm>
+          <a:prstGeom prst="rect">
+            <a:avLst/>
+          </a:prstGeom>
+          <a:solidFill>
+            <a:schemeClr val="bg1"/>
+          </a:solidFill>
+          <a:ln>
+            <a:solidFill>
+              <a:schemeClr val="tx1"/>
+            </a:solidFill>
+          </a:ln>
+        </p:spPr>
+        <p:style>
+          <a:lnRef idx="2">
+            <a:schemeClr val="accent1">
+              <a:shade val="50000"/>
+            </a:schemeClr>
+          </a:lnRef>
+          <a:fillRef idx="1">
+            <a:schemeClr val="accent1"/>
+          </a:fillRef>
+          <a:effectRef idx="0">
+            <a:schemeClr val="accent1"/>
+          </a:effectRef>
+          <a:fontRef idx="minor">
+            <a:schemeClr val="lt1"/>
+          </a:fontRef>
+        </p:style>
+        <p:txBody>
+          <a:bodyPr rtlCol="0" anchor="ctr"/>
+          <a:lstStyle/>
+          <a:p>
+            <a:pPr algn="ctr"/>
+            <a:r>
+              <a:rPr lang="en-US" dirty="0">
+                <a:ln>
+                  <a:solidFill>
+                    <a:schemeClr val="tx1"/>
+                  </a:solidFill>
+                </a:ln>
+                <a:solidFill>
+                  <a:sysClr val="windowText" lastClr="000000"/>
+                </a:solidFill>
+              </a:rPr>
+              <a:t>Pre-processing</a:t>
+            </a:r>
+          </a:p>
+          <a:p>
+            <a:pPr marL="285750" indent="-285750" algn="ctr">
+              <a:buFont typeface="Arial" panose="020B0604020202020204" pitchFamily="34" charset="0"/>
+              <a:buChar char="•"/>
+            </a:pPr>
+            <a:r>
+              <a:rPr lang="en-US" dirty="0">
+                <a:ln>
+                  <a:solidFill>
+                    <a:schemeClr val="tx1"/>
+                  </a:solidFill>
+                </a:ln>
+                <a:solidFill>
+                  <a:sysClr val="windowText" lastClr="000000"/>
+                </a:solidFill>
+              </a:rPr>
+              <a:t>Image Scaling</a:t>
+            </a:r>
+          </a:p>
+        </p:txBody>
+      </p:sp>
+      <p:cxnSp>
+        <p:nvCxnSpPr>
+          <p:cNvPr id="6" name="Straight Arrow Connector 5">
+            <a:extLst>
+              <a:ext uri="{FF2B5EF4-FFF2-40B4-BE49-F238E27FC236}">
+                <a16:creationId xmlns:a16="http://schemas.microsoft.com/office/drawing/2014/main" id="{E8EB5CAA-5D2D-41FD-9D87-FA0D155C70A9}"/>
+              </a:ext>
+            </a:extLst>
+          </p:cNvPr>
+          <p:cNvCxnSpPr>
+            <a:cxnSpLocks/>
+          </p:cNvCxnSpPr>
+          <p:nvPr/>
+        </p:nvCxnSpPr>
+        <p:spPr>
+          <a:xfrm>
+            <a:off x="3586579" y="2752077"/>
+            <a:ext cx="461638" cy="0"/>
+          </a:xfrm>
+          <a:prstGeom prst="straightConnector1">
+            <a:avLst/>
+          </a:prstGeom>
+          <a:ln>
+            <a:tailEnd type="triangle"/>
+          </a:ln>
+        </p:spPr>
+        <p:style>
+          <a:lnRef idx="1">
+            <a:schemeClr val="dk1"/>
+          </a:lnRef>
+          <a:fillRef idx="0">
+            <a:schemeClr val="dk1"/>
+          </a:fillRef>
+          <a:effectRef idx="0">
+            <a:schemeClr val="dk1"/>
+          </a:effectRef>
+          <a:fontRef idx="minor">
+            <a:schemeClr val="tx1"/>
+          </a:fontRef>
+        </p:style>
+      </p:cxnSp>
+      <p:sp>
+        <p:nvSpPr>
+          <p:cNvPr id="13" name="Rectangle 12">
+            <a:extLst>
+              <a:ext uri="{FF2B5EF4-FFF2-40B4-BE49-F238E27FC236}">
+                <a16:creationId xmlns:a16="http://schemas.microsoft.com/office/drawing/2014/main" id="{014C606D-E316-4E34-B29A-47EA8663B24B}"/>
+              </a:ext>
+            </a:extLst>
+          </p:cNvPr>
+          <p:cNvSpPr/>
+          <p:nvPr/>
+        </p:nvSpPr>
+        <p:spPr>
+          <a:xfrm>
+            <a:off x="4048217" y="2268244"/>
+            <a:ext cx="2290439" cy="967666"/>
+          </a:xfrm>
+          <a:prstGeom prst="rect">
+            <a:avLst/>
+          </a:prstGeom>
+          <a:solidFill>
+            <a:schemeClr val="bg1"/>
+          </a:solidFill>
+          <a:ln>
+            <a:solidFill>
+              <a:schemeClr val="tx1"/>
+            </a:solidFill>
+          </a:ln>
+        </p:spPr>
+        <p:style>
+          <a:lnRef idx="2">
+            <a:schemeClr val="accent1">
+              <a:shade val="50000"/>
+            </a:schemeClr>
+          </a:lnRef>
+          <a:fillRef idx="1">
+            <a:schemeClr val="accent1"/>
+          </a:fillRef>
+          <a:effectRef idx="0">
+            <a:schemeClr val="accent1"/>
+          </a:effectRef>
+          <a:fontRef idx="minor">
+            <a:schemeClr val="lt1"/>
+          </a:fontRef>
+        </p:style>
+        <p:txBody>
+          <a:bodyPr rtlCol="0" anchor="ctr"/>
+          <a:lstStyle/>
+          <a:p>
+            <a:pPr algn="ctr"/>
+            <a:r>
+              <a:rPr lang="en-US" dirty="0">
+                <a:ln>
+                  <a:solidFill>
+                    <a:schemeClr val="tx1"/>
+                  </a:solidFill>
+                </a:ln>
+                <a:solidFill>
+                  <a:sysClr val="windowText" lastClr="000000"/>
+                </a:solidFill>
+              </a:rPr>
+              <a:t>Input image</a:t>
+            </a:r>
+          </a:p>
+        </p:txBody>
+      </p:sp>
+      <p:sp>
+        <p:nvSpPr>
+          <p:cNvPr id="14" name="Rectangle 13">
+            <a:extLst>
+              <a:ext uri="{FF2B5EF4-FFF2-40B4-BE49-F238E27FC236}">
+                <a16:creationId xmlns:a16="http://schemas.microsoft.com/office/drawing/2014/main" id="{F791467F-4D49-4E3B-B880-3D3480E7923F}"/>
+              </a:ext>
+            </a:extLst>
+          </p:cNvPr>
+          <p:cNvSpPr/>
+          <p:nvPr/>
+        </p:nvSpPr>
+        <p:spPr>
+          <a:xfrm>
+            <a:off x="6786606" y="2203866"/>
+            <a:ext cx="2100959" cy="1096387"/>
+          </a:xfrm>
+          <a:prstGeom prst="rect">
+            <a:avLst/>
+          </a:prstGeom>
+          <a:solidFill>
+            <a:schemeClr val="bg1"/>
+          </a:solidFill>
+          <a:ln>
+            <a:solidFill>
+              <a:schemeClr val="tx1"/>
+            </a:solidFill>
+          </a:ln>
+        </p:spPr>
+        <p:style>
+          <a:lnRef idx="2">
+            <a:schemeClr val="accent1">
+              <a:shade val="50000"/>
+            </a:schemeClr>
+          </a:lnRef>
+          <a:fillRef idx="1">
+            <a:schemeClr val="accent1"/>
+          </a:fillRef>
+          <a:effectRef idx="0">
+            <a:schemeClr val="accent1"/>
+          </a:effectRef>
+          <a:fontRef idx="minor">
+            <a:schemeClr val="lt1"/>
+          </a:fontRef>
+        </p:style>
+        <p:txBody>
+          <a:bodyPr rtlCol="0" anchor="ctr"/>
+          <a:lstStyle/>
+          <a:p>
+            <a:pPr algn="ctr"/>
+            <a:r>
+              <a:rPr lang="en-US" dirty="0">
+                <a:ln>
+                  <a:solidFill>
+                    <a:schemeClr val="tx1"/>
+                  </a:solidFill>
+                </a:ln>
+                <a:solidFill>
+                  <a:sysClr val="windowText" lastClr="000000"/>
+                </a:solidFill>
+              </a:rPr>
+              <a:t>CNN</a:t>
+            </a:r>
+          </a:p>
+          <a:p>
+            <a:pPr marL="285750" indent="-285750" algn="ctr">
+              <a:buFont typeface="Arial" panose="020B0604020202020204" pitchFamily="34" charset="0"/>
+              <a:buChar char="•"/>
+            </a:pPr>
+            <a:r>
+              <a:rPr lang="en-US" dirty="0">
+                <a:ln>
+                  <a:solidFill>
+                    <a:schemeClr val="tx1"/>
+                  </a:solidFill>
+                </a:ln>
+                <a:solidFill>
+                  <a:sysClr val="windowText" lastClr="000000"/>
+                </a:solidFill>
+              </a:rPr>
+              <a:t>ROI – Feature extraction and matching</a:t>
+            </a:r>
+          </a:p>
+        </p:txBody>
+      </p:sp>
+      <p:cxnSp>
+        <p:nvCxnSpPr>
+          <p:cNvPr id="16" name="Straight Arrow Connector 15">
+            <a:extLst>
+              <a:ext uri="{FF2B5EF4-FFF2-40B4-BE49-F238E27FC236}">
+                <a16:creationId xmlns:a16="http://schemas.microsoft.com/office/drawing/2014/main" id="{A5A35995-9F0B-44FB-8302-C1649EA33E32}"/>
+              </a:ext>
+            </a:extLst>
+          </p:cNvPr>
+          <p:cNvCxnSpPr>
+            <a:cxnSpLocks/>
+          </p:cNvCxnSpPr>
+          <p:nvPr/>
+        </p:nvCxnSpPr>
+        <p:spPr>
+          <a:xfrm>
+            <a:off x="6338656" y="2762434"/>
+            <a:ext cx="461638" cy="0"/>
+          </a:xfrm>
+          <a:prstGeom prst="straightConnector1">
+            <a:avLst/>
+          </a:prstGeom>
+          <a:ln>
+            <a:tailEnd type="triangle"/>
+          </a:ln>
+        </p:spPr>
+        <p:style>
+          <a:lnRef idx="1">
+            <a:schemeClr val="dk1"/>
+          </a:lnRef>
+          <a:fillRef idx="0">
+            <a:schemeClr val="dk1"/>
+          </a:fillRef>
+          <a:effectRef idx="0">
+            <a:schemeClr val="dk1"/>
+          </a:effectRef>
+          <a:fontRef idx="minor">
+            <a:schemeClr val="tx1"/>
+          </a:fontRef>
+        </p:style>
+      </p:cxnSp>
+      <p:sp>
+        <p:nvSpPr>
+          <p:cNvPr id="17" name="Rectangle 16">
+            <a:extLst>
+              <a:ext uri="{FF2B5EF4-FFF2-40B4-BE49-F238E27FC236}">
+                <a16:creationId xmlns:a16="http://schemas.microsoft.com/office/drawing/2014/main" id="{9A852F52-8138-4C44-A80C-5650931B27E8}"/>
+              </a:ext>
+            </a:extLst>
+          </p:cNvPr>
+          <p:cNvSpPr/>
+          <p:nvPr/>
+        </p:nvSpPr>
+        <p:spPr>
+          <a:xfrm>
+            <a:off x="9301022" y="2260845"/>
+            <a:ext cx="2052778" cy="967666"/>
+          </a:xfrm>
+          <a:prstGeom prst="rect">
+            <a:avLst/>
+          </a:prstGeom>
+          <a:solidFill>
+            <a:schemeClr val="bg1"/>
+          </a:solidFill>
+          <a:ln>
+            <a:solidFill>
+              <a:schemeClr val="tx1"/>
+            </a:solidFill>
+          </a:ln>
+        </p:spPr>
+        <p:style>
+          <a:lnRef idx="2">
+            <a:schemeClr val="accent1">
+              <a:shade val="50000"/>
+            </a:schemeClr>
+          </a:lnRef>
+          <a:fillRef idx="1">
+            <a:schemeClr val="accent1"/>
+          </a:fillRef>
+          <a:effectRef idx="0">
+            <a:schemeClr val="accent1"/>
+          </a:effectRef>
+          <a:fontRef idx="minor">
+            <a:schemeClr val="lt1"/>
+          </a:fontRef>
+        </p:style>
+        <p:txBody>
+          <a:bodyPr rtlCol="0" anchor="ctr"/>
+          <a:lstStyle/>
+          <a:p>
+            <a:pPr algn="ctr"/>
+            <a:r>
+              <a:rPr lang="en-US" dirty="0">
+                <a:ln>
+                  <a:solidFill>
+                    <a:schemeClr val="tx1"/>
+                  </a:solidFill>
+                </a:ln>
+                <a:solidFill>
+                  <a:sysClr val="windowText" lastClr="000000"/>
+                </a:solidFill>
+              </a:rPr>
+              <a:t>Decision Making</a:t>
+            </a:r>
+          </a:p>
+          <a:p>
+            <a:pPr marL="285750" indent="-285750" algn="ctr">
+              <a:buFont typeface="Arial" panose="020B0604020202020204" pitchFamily="34" charset="0"/>
+              <a:buChar char="•"/>
+            </a:pPr>
+            <a:r>
+              <a:rPr lang="en-US" dirty="0">
+                <a:ln>
+                  <a:solidFill>
+                    <a:schemeClr val="tx1"/>
+                  </a:solidFill>
+                </a:ln>
+                <a:solidFill>
+                  <a:sysClr val="windowText" lastClr="000000"/>
+                </a:solidFill>
+              </a:rPr>
+              <a:t>Class</a:t>
+            </a:r>
+          </a:p>
+        </p:txBody>
+      </p:sp>
+      <p:cxnSp>
+        <p:nvCxnSpPr>
+          <p:cNvPr id="18" name="Straight Arrow Connector 17">
+            <a:extLst>
+              <a:ext uri="{FF2B5EF4-FFF2-40B4-BE49-F238E27FC236}">
+                <a16:creationId xmlns:a16="http://schemas.microsoft.com/office/drawing/2014/main" id="{0341753D-FA51-485E-A167-5500B1BEE5A4}"/>
+              </a:ext>
+            </a:extLst>
+          </p:cNvPr>
+          <p:cNvCxnSpPr>
+            <a:cxnSpLocks/>
+          </p:cNvCxnSpPr>
+          <p:nvPr/>
+        </p:nvCxnSpPr>
+        <p:spPr>
+          <a:xfrm>
+            <a:off x="8839384" y="2762434"/>
+            <a:ext cx="461638" cy="0"/>
+          </a:xfrm>
+          <a:prstGeom prst="straightConnector1">
+            <a:avLst/>
+          </a:prstGeom>
+          <a:ln>
+            <a:tailEnd type="triangle"/>
+          </a:ln>
+        </p:spPr>
+        <p:style>
+          <a:lnRef idx="1">
+            <a:schemeClr val="dk1"/>
+          </a:lnRef>
+          <a:fillRef idx="0">
+            <a:schemeClr val="dk1"/>
+          </a:fillRef>
+          <a:effectRef idx="0">
+            <a:schemeClr val="dk1"/>
+          </a:effectRef>
+          <a:fontRef idx="minor">
+            <a:schemeClr val="tx1"/>
+          </a:fontRef>
+        </p:style>
+      </p:cxnSp>
+    </p:spTree>
+    <p:extLst>
+      <p:ext uri="{BB962C8B-B14F-4D97-AF65-F5344CB8AC3E}">
+        <p14:creationId xmlns:p14="http://schemas.microsoft.com/office/powerpoint/2010/main" val="3216798209"/>
+      </p:ext>
+    </p:extLst>
+  </p:cSld>
+  <p:clrMapOvr>
+    <a:masterClrMapping/>
+  </p:clrMapOvr>
+</p:sld>
+</file>
+
+<file path=ppt/slides/slide7.xml><?xml version="1.0" encoding="utf-8"?>
+<p:sld xmlns:a="http://schemas.openxmlformats.org/drawingml/2006/main" xmlns:r="http://schemas.openxmlformats.org/officeDocument/2006/relationships" xmlns:p="http://schemas.openxmlformats.org/presentationml/2006/main">
+  <p:cSld>
+    <p:spTree>
+      <p:nvGrpSpPr>
+        <p:cNvPr id="1" name=""/>
+        <p:cNvGrpSpPr/>
+        <p:nvPr/>
+      </p:nvGrpSpPr>
+      <p:grpSpPr>
+        <a:xfrm>
+          <a:off x="0" y="0"/>
+          <a:ext cx="0" cy="0"/>
+          <a:chOff x="0" y="0"/>
+          <a:chExt cx="0" cy="0"/>
+        </a:xfrm>
+      </p:grpSpPr>
+      <p:sp>
+        <p:nvSpPr>
+          <p:cNvPr id="2" name="Title 1">
+            <a:extLst>
+              <a:ext uri="{FF2B5EF4-FFF2-40B4-BE49-F238E27FC236}">
+                <a16:creationId xmlns:a16="http://schemas.microsoft.com/office/drawing/2014/main" id="{EDFCD8CC-3E77-4F12-B1CA-6A1E5235EDF8}"/>
+              </a:ext>
+            </a:extLst>
+          </p:cNvPr>
+          <p:cNvSpPr>
+            <a:spLocks noGrp="1"/>
+          </p:cNvSpPr>
+          <p:nvPr>
+            <p:ph type="title"/>
+          </p:nvPr>
+        </p:nvSpPr>
+        <p:spPr/>
+        <p:txBody>
+          <a:bodyPr/>
+          <a:lstStyle/>
+          <a:p>
+            <a:r>
+              <a:rPr lang="en-US" dirty="0"/>
+              <a:t>Troubles faced	</a:t>
+            </a:r>
+          </a:p>
+        </p:txBody>
+      </p:sp>
+      <p:sp>
+        <p:nvSpPr>
+          <p:cNvPr id="3" name="Content Placeholder 2">
+            <a:extLst>
+              <a:ext uri="{FF2B5EF4-FFF2-40B4-BE49-F238E27FC236}">
+                <a16:creationId xmlns:a16="http://schemas.microsoft.com/office/drawing/2014/main" id="{89B9B53D-E116-4AEE-9CD6-2242C14CB7F6}"/>
+              </a:ext>
+            </a:extLst>
+          </p:cNvPr>
+          <p:cNvSpPr>
+            <a:spLocks noGrp="1"/>
+          </p:cNvSpPr>
+          <p:nvPr>
+            <p:ph idx="1"/>
+          </p:nvPr>
+        </p:nvSpPr>
+        <p:spPr/>
+        <p:txBody>
+          <a:bodyPr/>
+          <a:lstStyle/>
+          <a:p>
+            <a:r>
+              <a:rPr lang="en-US" dirty="0"/>
+              <a:t>Finding the right data (Insufficient data/ Data Augmentation)</a:t>
+            </a:r>
+          </a:p>
+          <a:p>
+            <a:r>
+              <a:rPr lang="en-US" dirty="0"/>
+              <a:t>Finding the right activation function (tanh/</a:t>
+            </a:r>
+            <a:r>
+              <a:rPr lang="en-US" dirty="0" err="1"/>
+              <a:t>ReLU</a:t>
+            </a:r>
+            <a:r>
+              <a:rPr lang="en-US" dirty="0"/>
+              <a:t>)</a:t>
+            </a:r>
+          </a:p>
+          <a:p>
+            <a:r>
+              <a:rPr lang="en-US" dirty="0"/>
+              <a:t>Parameter selection (Learning rate/ Optimizer)</a:t>
+            </a:r>
+          </a:p>
+          <a:p>
+            <a:endParaRPr lang="en-US" dirty="0"/>
+          </a:p>
+        </p:txBody>
+      </p:sp>
+    </p:spTree>
+    <p:extLst>
+      <p:ext uri="{BB962C8B-B14F-4D97-AF65-F5344CB8AC3E}">
+        <p14:creationId xmlns:p14="http://schemas.microsoft.com/office/powerpoint/2010/main" val="1101280237"/>
+      </p:ext>
+    </p:extLst>
+  </p:cSld>
+  <p:clrMapOvr>
+    <a:masterClrMapping/>
+  </p:clrMapOvr>
+</p:sld>
+</file>
+
+<file path=ppt/slides/slide8.xml><?xml version="1.0" encoding="utf-8"?>
+<p:sld xmlns:a="http://schemas.openxmlformats.org/drawingml/2006/main" xmlns:r="http://schemas.openxmlformats.org/officeDocument/2006/relationships" xmlns:p="http://schemas.openxmlformats.org/presentationml/2006/main">
+  <p:cSld>
+    <p:spTree>
+      <p:nvGrpSpPr>
+        <p:cNvPr id="1" name=""/>
+        <p:cNvGrpSpPr/>
+        <p:nvPr/>
+      </p:nvGrpSpPr>
+      <p:grpSpPr>
+        <a:xfrm>
+          <a:off x="0" y="0"/>
+          <a:ext cx="0" cy="0"/>
+          <a:chOff x="0" y="0"/>
+          <a:chExt cx="0" cy="0"/>
+        </a:xfrm>
+      </p:grpSpPr>
+      <p:sp>
+        <p:nvSpPr>
+          <p:cNvPr id="2" name="Title 1">
+            <a:extLst>
+              <a:ext uri="{FF2B5EF4-FFF2-40B4-BE49-F238E27FC236}">
+                <a16:creationId xmlns:a16="http://schemas.microsoft.com/office/drawing/2014/main" id="{AEB760E0-AE5C-4C70-B7CF-537ABB9D728B}"/>
+              </a:ext>
+            </a:extLst>
+          </p:cNvPr>
+          <p:cNvSpPr>
+            <a:spLocks noGrp="1"/>
+          </p:cNvSpPr>
+          <p:nvPr>
+            <p:ph type="title"/>
+          </p:nvPr>
+        </p:nvSpPr>
+        <p:spPr/>
+        <p:txBody>
+          <a:bodyPr/>
+          <a:lstStyle/>
+          <a:p>
+            <a:r>
+              <a:rPr lang="en-US" dirty="0"/>
+              <a:t>Future recommendations and Conclusions</a:t>
+            </a:r>
+          </a:p>
+        </p:txBody>
+      </p:sp>
+      <p:sp>
+        <p:nvSpPr>
+          <p:cNvPr id="3" name="Content Placeholder 2">
+            <a:extLst>
+              <a:ext uri="{FF2B5EF4-FFF2-40B4-BE49-F238E27FC236}">
+                <a16:creationId xmlns:a16="http://schemas.microsoft.com/office/drawing/2014/main" id="{C1403E28-7464-4D1C-8974-4297A3BFE349}"/>
+              </a:ext>
+            </a:extLst>
+          </p:cNvPr>
+          <p:cNvSpPr>
+            <a:spLocks noGrp="1"/>
+          </p:cNvSpPr>
+          <p:nvPr>
+            <p:ph idx="1"/>
+          </p:nvPr>
+        </p:nvSpPr>
+        <p:spPr/>
+        <p:txBody>
+          <a:bodyPr/>
+          <a:lstStyle/>
+          <a:p>
+            <a:r>
+              <a:rPr lang="en-US" dirty="0"/>
+              <a:t>Gathering more data</a:t>
+            </a:r>
+          </a:p>
+        </p:txBody>
+      </p:sp>
+    </p:spTree>
+    <p:extLst>
+      <p:ext uri="{BB962C8B-B14F-4D97-AF65-F5344CB8AC3E}">
+        <p14:creationId xmlns:p14="http://schemas.microsoft.com/office/powerpoint/2010/main" val="1269775879"/>
       </p:ext>
     </p:extLst>
   </p:cSld>
